--- a/Mobile_Price_Prediction.pptx
+++ b/Mobile_Price_Prediction.pptx
@@ -2545,46 +2545,6 @@
         </a:p>
       </dgm:t>
     </dgm:pt>
-    <dgm:pt modelId="{69FE4B62-44EA-44C1-B738-B87888AB22C6}">
-      <dgm:prSet/>
-      <dgm:spPr/>
-      <dgm:t>
-        <a:bodyPr/>
-        <a:lstStyle/>
-        <a:p>
-          <a:r>
-            <a:rPr lang="en-US" dirty="0"/>
-            <a:t>Collaborate with data engineers to ensure data quality, reliability, and integrity.</a:t>
-          </a:r>
-        </a:p>
-      </dgm:t>
-    </dgm:pt>
-    <dgm:pt modelId="{1968739F-4CD2-4809-B6BA-0B7DEA0A9A0C}" type="parTrans" cxnId="{1EBBF9C6-90CE-4ED9-A4F9-8EE89A971458}">
-      <dgm:prSet/>
-      <dgm:spPr/>
-      <dgm:t>
-        <a:bodyPr/>
-        <a:lstStyle/>
-        <a:p>
-          <a:endParaRPr lang="en-US"/>
-        </a:p>
-      </dgm:t>
-    </dgm:pt>
-    <dgm:pt modelId="{C4CAF077-83E8-4D2C-BB59-5846B34FA5AB}" type="sibTrans" cxnId="{1EBBF9C6-90CE-4ED9-A4F9-8EE89A971458}">
-      <dgm:prSet phldrT="04" phldr="0"/>
-      <dgm:spPr/>
-      <dgm:t>
-        <a:bodyPr/>
-        <a:lstStyle/>
-        <a:p>
-          <a:r>
-            <a:rPr lang="en-US"/>
-            <a:t>04</a:t>
-          </a:r>
-          <a:endParaRPr lang="en-US" dirty="0"/>
-        </a:p>
-      </dgm:t>
-    </dgm:pt>
     <dgm:pt modelId="{20E98E81-D355-4E8D-98F0-D4BA1E977BE4}">
       <dgm:prSet/>
       <dgm:spPr/>
@@ -2611,7 +2571,7 @@
       </dgm:t>
     </dgm:pt>
     <dgm:pt modelId="{F762F443-280D-4322-AAF9-CEF35B0F3AB9}" type="sibTrans" cxnId="{2073B682-7AA8-4A34-8FD9-A2E138F2866D}">
-      <dgm:prSet phldrT="05" phldr="0"/>
+      <dgm:prSet phldrT="04" phldr="0"/>
       <dgm:spPr/>
       <dgm:t>
         <a:bodyPr/>
@@ -2619,46 +2579,7 @@
         <a:p>
           <a:r>
             <a:rPr lang="en-US"/>
-            <a:t>05</a:t>
-          </a:r>
-        </a:p>
-      </dgm:t>
-    </dgm:pt>
-    <dgm:pt modelId="{6B2EE563-9C44-4F04-B44E-0FC5CBBC880C}">
-      <dgm:prSet/>
-      <dgm:spPr/>
-      <dgm:t>
-        <a:bodyPr/>
-        <a:lstStyle/>
-        <a:p>
-          <a:r>
-            <a:rPr lang="en-US" dirty="0"/>
-            <a:t>Collaborate with team engineers to ensure that the data is suitable for training and evaluation of machine learning models.</a:t>
-          </a:r>
-        </a:p>
-      </dgm:t>
-    </dgm:pt>
-    <dgm:pt modelId="{C8C8A709-81BE-4887-B6A8-DC6190C401A8}" type="parTrans" cxnId="{F669B882-77F6-4202-8AD0-BFD1E062F3C7}">
-      <dgm:prSet/>
-      <dgm:spPr/>
-      <dgm:t>
-        <a:bodyPr/>
-        <a:lstStyle/>
-        <a:p>
-          <a:endParaRPr lang="en-US"/>
-        </a:p>
-      </dgm:t>
-    </dgm:pt>
-    <dgm:pt modelId="{2DF1C5E4-AF45-4F17-A7DC-B1EB4D94D09A}" type="sibTrans" cxnId="{F669B882-77F6-4202-8AD0-BFD1E062F3C7}">
-      <dgm:prSet phldrT="06" phldr="0"/>
-      <dgm:spPr/>
-      <dgm:t>
-        <a:bodyPr/>
-        <a:lstStyle/>
-        <a:p>
-          <a:r>
-            <a:rPr lang="en-US"/>
-            <a:t>06</a:t>
+            <a:t>04</a:t>
           </a:r>
         </a:p>
       </dgm:t>
@@ -2681,11 +2602,11 @@
       <dgm:spPr/>
     </dgm:pt>
     <dgm:pt modelId="{CF55A61C-A6CD-48C5-AE4A-78DFD990E52A}" type="pres">
-      <dgm:prSet presAssocID="{1A9CD2A4-B8DE-4A59-BB08-5B5D66BA4962}" presName="bgRect" presStyleLbl="alignNode1" presStyleIdx="0" presStyleCnt="6" custScaleX="113860" custScaleY="152237"/>
+      <dgm:prSet presAssocID="{1A9CD2A4-B8DE-4A59-BB08-5B5D66BA4962}" presName="bgRect" presStyleLbl="alignNode1" presStyleIdx="0" presStyleCnt="4" custScaleX="113860" custScaleY="152237"/>
       <dgm:spPr/>
     </dgm:pt>
     <dgm:pt modelId="{FC2C54B3-A522-49BB-B5A5-B8BF9FF5B9FC}" type="pres">
-      <dgm:prSet presAssocID="{813F3394-0CD8-4869-A1DF-B9ECC903ED93}" presName="sibTransNodeRect" presStyleLbl="alignNode1" presStyleIdx="0" presStyleCnt="6">
+      <dgm:prSet presAssocID="{813F3394-0CD8-4869-A1DF-B9ECC903ED93}" presName="sibTransNodeRect" presStyleLbl="alignNode1" presStyleIdx="0" presStyleCnt="4">
         <dgm:presLayoutVars>
           <dgm:chMax val="0"/>
           <dgm:bulletEnabled val="1"/>
@@ -2694,7 +2615,7 @@
       <dgm:spPr/>
     </dgm:pt>
     <dgm:pt modelId="{10FF1841-E2A9-428A-8BA9-6EE6B5228A21}" type="pres">
-      <dgm:prSet presAssocID="{1A9CD2A4-B8DE-4A59-BB08-5B5D66BA4962}" presName="nodeRect" presStyleLbl="alignNode1" presStyleIdx="0" presStyleCnt="6">
+      <dgm:prSet presAssocID="{1A9CD2A4-B8DE-4A59-BB08-5B5D66BA4962}" presName="nodeRect" presStyleLbl="alignNode1" presStyleIdx="0" presStyleCnt="4">
         <dgm:presLayoutVars>
           <dgm:bulletEnabled val="1"/>
         </dgm:presLayoutVars>
@@ -2714,11 +2635,11 @@
       <dgm:spPr/>
     </dgm:pt>
     <dgm:pt modelId="{EDFA03B6-0448-4109-838A-28B9BC8DC370}" type="pres">
-      <dgm:prSet presAssocID="{783CED7A-EECF-4CFD-95DC-1D1C60E185E9}" presName="bgRect" presStyleLbl="alignNode1" presStyleIdx="1" presStyleCnt="6" custScaleX="101328" custScaleY="152236"/>
+      <dgm:prSet presAssocID="{783CED7A-EECF-4CFD-95DC-1D1C60E185E9}" presName="bgRect" presStyleLbl="alignNode1" presStyleIdx="1" presStyleCnt="4" custScaleX="101328" custScaleY="152236"/>
       <dgm:spPr/>
     </dgm:pt>
     <dgm:pt modelId="{3AD814A6-2E8A-4C66-B9AD-0F7B435AEEE7}" type="pres">
-      <dgm:prSet presAssocID="{1E468623-B3FB-4663-B350-FA64433F53EB}" presName="sibTransNodeRect" presStyleLbl="alignNode1" presStyleIdx="1" presStyleCnt="6">
+      <dgm:prSet presAssocID="{1E468623-B3FB-4663-B350-FA64433F53EB}" presName="sibTransNodeRect" presStyleLbl="alignNode1" presStyleIdx="1" presStyleCnt="4">
         <dgm:presLayoutVars>
           <dgm:chMax val="0"/>
           <dgm:bulletEnabled val="1"/>
@@ -2727,7 +2648,7 @@
       <dgm:spPr/>
     </dgm:pt>
     <dgm:pt modelId="{83AD1BD7-DDB7-4DEA-9B42-E5F2C51C2020}" type="pres">
-      <dgm:prSet presAssocID="{783CED7A-EECF-4CFD-95DC-1D1C60E185E9}" presName="nodeRect" presStyleLbl="alignNode1" presStyleIdx="1" presStyleCnt="6">
+      <dgm:prSet presAssocID="{783CED7A-EECF-4CFD-95DC-1D1C60E185E9}" presName="nodeRect" presStyleLbl="alignNode1" presStyleIdx="1" presStyleCnt="4">
         <dgm:presLayoutVars>
           <dgm:bulletEnabled val="1"/>
         </dgm:presLayoutVars>
@@ -2747,11 +2668,11 @@
       <dgm:spPr/>
     </dgm:pt>
     <dgm:pt modelId="{2D12E288-9BC8-437C-8CB1-684D3204DCF7}" type="pres">
-      <dgm:prSet presAssocID="{9D111F0D-AB91-47E0-AA96-2AC3825CBF38}" presName="bgRect" presStyleLbl="alignNode1" presStyleIdx="2" presStyleCnt="6" custScaleX="114305" custScaleY="147482" custLinFactNeighborY="2507"/>
+      <dgm:prSet presAssocID="{9D111F0D-AB91-47E0-AA96-2AC3825CBF38}" presName="bgRect" presStyleLbl="alignNode1" presStyleIdx="2" presStyleCnt="4" custScaleX="114305" custScaleY="147482" custLinFactNeighborY="2507"/>
       <dgm:spPr/>
     </dgm:pt>
     <dgm:pt modelId="{F8DECE61-01B9-4A75-B9CE-ABFF810CCC9B}" type="pres">
-      <dgm:prSet presAssocID="{71D9103E-0C7D-4910-AC2F-BFB3F2B089A9}" presName="sibTransNodeRect" presStyleLbl="alignNode1" presStyleIdx="2" presStyleCnt="6">
+      <dgm:prSet presAssocID="{71D9103E-0C7D-4910-AC2F-BFB3F2B089A9}" presName="sibTransNodeRect" presStyleLbl="alignNode1" presStyleIdx="2" presStyleCnt="4">
         <dgm:presLayoutVars>
           <dgm:chMax val="0"/>
           <dgm:bulletEnabled val="1"/>
@@ -2760,7 +2681,7 @@
       <dgm:spPr/>
     </dgm:pt>
     <dgm:pt modelId="{CA4B38D2-D8EF-49C0-84BF-7C755488E427}" type="pres">
-      <dgm:prSet presAssocID="{9D111F0D-AB91-47E0-AA96-2AC3825CBF38}" presName="nodeRect" presStyleLbl="alignNode1" presStyleIdx="2" presStyleCnt="6">
+      <dgm:prSet presAssocID="{9D111F0D-AB91-47E0-AA96-2AC3825CBF38}" presName="nodeRect" presStyleLbl="alignNode1" presStyleIdx="2" presStyleCnt="4">
         <dgm:presLayoutVars>
           <dgm:bulletEnabled val="1"/>
         </dgm:presLayoutVars>
@@ -2769,39 +2690,6 @@
     </dgm:pt>
     <dgm:pt modelId="{5F68DA47-2952-4803-A40B-E8C6BC2763B4}" type="pres">
       <dgm:prSet presAssocID="{71D9103E-0C7D-4910-AC2F-BFB3F2B089A9}" presName="sibTrans" presStyleCnt="0"/>
-      <dgm:spPr/>
-    </dgm:pt>
-    <dgm:pt modelId="{6AA86584-5FBE-4141-9CC9-CD374ADDE855}" type="pres">
-      <dgm:prSet presAssocID="{69FE4B62-44EA-44C1-B738-B87888AB22C6}" presName="compositeNode" presStyleCnt="0">
-        <dgm:presLayoutVars>
-          <dgm:bulletEnabled val="1"/>
-        </dgm:presLayoutVars>
-      </dgm:prSet>
-      <dgm:spPr/>
-    </dgm:pt>
-    <dgm:pt modelId="{33476414-7830-47E3-AC2D-FD8D23AE5BE4}" type="pres">
-      <dgm:prSet presAssocID="{69FE4B62-44EA-44C1-B738-B87888AB22C6}" presName="bgRect" presStyleLbl="alignNode1" presStyleIdx="3" presStyleCnt="6" custScaleX="100816" custScaleY="147482" custLinFactNeighborX="-245" custLinFactNeighborY="235"/>
-      <dgm:spPr/>
-    </dgm:pt>
-    <dgm:pt modelId="{8954E9AE-37DE-4377-BCA7-63CEF3F8B69C}" type="pres">
-      <dgm:prSet presAssocID="{C4CAF077-83E8-4D2C-BB59-5846B34FA5AB}" presName="sibTransNodeRect" presStyleLbl="alignNode1" presStyleIdx="3" presStyleCnt="6">
-        <dgm:presLayoutVars>
-          <dgm:chMax val="0"/>
-          <dgm:bulletEnabled val="1"/>
-        </dgm:presLayoutVars>
-      </dgm:prSet>
-      <dgm:spPr/>
-    </dgm:pt>
-    <dgm:pt modelId="{987E73B2-C3F0-487A-9FA0-99C8CB598B22}" type="pres">
-      <dgm:prSet presAssocID="{69FE4B62-44EA-44C1-B738-B87888AB22C6}" presName="nodeRect" presStyleLbl="alignNode1" presStyleIdx="3" presStyleCnt="6">
-        <dgm:presLayoutVars>
-          <dgm:bulletEnabled val="1"/>
-        </dgm:presLayoutVars>
-      </dgm:prSet>
-      <dgm:spPr/>
-    </dgm:pt>
-    <dgm:pt modelId="{0F831A91-FBAE-4106-B7F3-9A2EFAE7E22E}" type="pres">
-      <dgm:prSet presAssocID="{C4CAF077-83E8-4D2C-BB59-5846B34FA5AB}" presName="sibTrans" presStyleCnt="0"/>
       <dgm:spPr/>
     </dgm:pt>
     <dgm:pt modelId="{98243217-F054-4F36-8748-621E98D1C4CE}" type="pres">
@@ -2813,11 +2701,11 @@
       <dgm:spPr/>
     </dgm:pt>
     <dgm:pt modelId="{F2DFACFA-BDC3-4F85-9C45-4004B29A072B}" type="pres">
-      <dgm:prSet presAssocID="{20E98E81-D355-4E8D-98F0-D4BA1E977BE4}" presName="bgRect" presStyleLbl="alignNode1" presStyleIdx="4" presStyleCnt="6" custScaleX="117259" custScaleY="146626" custLinFactNeighborX="1014" custLinFactNeighborY="-2104"/>
+      <dgm:prSet presAssocID="{20E98E81-D355-4E8D-98F0-D4BA1E977BE4}" presName="bgRect" presStyleLbl="alignNode1" presStyleIdx="3" presStyleCnt="4" custScaleX="117259" custScaleY="146626" custLinFactNeighborX="1014" custLinFactNeighborY="-2104"/>
       <dgm:spPr/>
     </dgm:pt>
     <dgm:pt modelId="{7788F589-B6DF-4BD5-B39D-6E6306C0881E}" type="pres">
-      <dgm:prSet presAssocID="{F762F443-280D-4322-AAF9-CEF35B0F3AB9}" presName="sibTransNodeRect" presStyleLbl="alignNode1" presStyleIdx="4" presStyleCnt="6">
+      <dgm:prSet presAssocID="{F762F443-280D-4322-AAF9-CEF35B0F3AB9}" presName="sibTransNodeRect" presStyleLbl="alignNode1" presStyleIdx="3" presStyleCnt="4">
         <dgm:presLayoutVars>
           <dgm:chMax val="0"/>
           <dgm:bulletEnabled val="1"/>
@@ -2826,40 +2714,7 @@
       <dgm:spPr/>
     </dgm:pt>
     <dgm:pt modelId="{58E6F53E-B2CF-4305-9239-DB6F9B3EE5C8}" type="pres">
-      <dgm:prSet presAssocID="{20E98E81-D355-4E8D-98F0-D4BA1E977BE4}" presName="nodeRect" presStyleLbl="alignNode1" presStyleIdx="4" presStyleCnt="6">
-        <dgm:presLayoutVars>
-          <dgm:bulletEnabled val="1"/>
-        </dgm:presLayoutVars>
-      </dgm:prSet>
-      <dgm:spPr/>
-    </dgm:pt>
-    <dgm:pt modelId="{066CFA61-DD3E-4937-BEAF-A8948762D382}" type="pres">
-      <dgm:prSet presAssocID="{F762F443-280D-4322-AAF9-CEF35B0F3AB9}" presName="sibTrans" presStyleCnt="0"/>
-      <dgm:spPr/>
-    </dgm:pt>
-    <dgm:pt modelId="{B4A4C109-C368-492D-A0E2-572B88C3ACDA}" type="pres">
-      <dgm:prSet presAssocID="{6B2EE563-9C44-4F04-B44E-0FC5CBBC880C}" presName="compositeNode" presStyleCnt="0">
-        <dgm:presLayoutVars>
-          <dgm:bulletEnabled val="1"/>
-        </dgm:presLayoutVars>
-      </dgm:prSet>
-      <dgm:spPr/>
-    </dgm:pt>
-    <dgm:pt modelId="{09882D94-6BD6-4B12-B23E-4362EEF4D74A}" type="pres">
-      <dgm:prSet presAssocID="{6B2EE563-9C44-4F04-B44E-0FC5CBBC880C}" presName="bgRect" presStyleLbl="alignNode1" presStyleIdx="5" presStyleCnt="6" custScaleY="144636"/>
-      <dgm:spPr/>
-    </dgm:pt>
-    <dgm:pt modelId="{49BD0D15-054C-4C2A-B116-231CF123127C}" type="pres">
-      <dgm:prSet presAssocID="{2DF1C5E4-AF45-4F17-A7DC-B1EB4D94D09A}" presName="sibTransNodeRect" presStyleLbl="alignNode1" presStyleIdx="5" presStyleCnt="6">
-        <dgm:presLayoutVars>
-          <dgm:chMax val="0"/>
-          <dgm:bulletEnabled val="1"/>
-        </dgm:presLayoutVars>
-      </dgm:prSet>
-      <dgm:spPr/>
-    </dgm:pt>
-    <dgm:pt modelId="{FB5F1C02-FFCA-4319-B9D0-60CC93E690FE}" type="pres">
-      <dgm:prSet presAssocID="{6B2EE563-9C44-4F04-B44E-0FC5CBBC880C}" presName="nodeRect" presStyleLbl="alignNode1" presStyleIdx="5" presStyleCnt="6">
+      <dgm:prSet presAssocID="{20E98E81-D355-4E8D-98F0-D4BA1E977BE4}" presName="nodeRect" presStyleLbl="alignNode1" presStyleIdx="3" presStyleCnt="4">
         <dgm:presLayoutVars>
           <dgm:bulletEnabled val="1"/>
         </dgm:presLayoutVars>
@@ -2877,17 +2732,9 @@
     <dgm:cxn modelId="{495D6B49-9E93-4B95-B781-D0500C02A7AB}" type="presOf" srcId="{813F3394-0CD8-4869-A1DF-B9ECC903ED93}" destId="{FC2C54B3-A522-49BB-B5A5-B8BF9FF5B9FC}" srcOrd="0" destOrd="0" presId="urn:microsoft.com/office/officeart/2016/7/layout/LinearBlockProcessNumbered"/>
     <dgm:cxn modelId="{AA27384A-DF72-4F8E-9BCE-A850752B7A0F}" type="presOf" srcId="{20E98E81-D355-4E8D-98F0-D4BA1E977BE4}" destId="{F2DFACFA-BDC3-4F85-9C45-4004B29A072B}" srcOrd="0" destOrd="0" presId="urn:microsoft.com/office/officeart/2016/7/layout/LinearBlockProcessNumbered"/>
     <dgm:cxn modelId="{74CEE46F-D1B1-4A7A-B9B0-9AEF9E8F8FF3}" type="presOf" srcId="{1A9CD2A4-B8DE-4A59-BB08-5B5D66BA4962}" destId="{CF55A61C-A6CD-48C5-AE4A-78DFD990E52A}" srcOrd="0" destOrd="0" presId="urn:microsoft.com/office/officeart/2016/7/layout/LinearBlockProcessNumbered"/>
-    <dgm:cxn modelId="{CD035D70-9A8B-4D6B-9F61-5342A63F508A}" type="presOf" srcId="{2DF1C5E4-AF45-4F17-A7DC-B1EB4D94D09A}" destId="{49BD0D15-054C-4C2A-B116-231CF123127C}" srcOrd="0" destOrd="0" presId="urn:microsoft.com/office/officeart/2016/7/layout/LinearBlockProcessNumbered"/>
-    <dgm:cxn modelId="{2073B682-7AA8-4A34-8FD9-A2E138F2866D}" srcId="{41F1DC23-55BD-431F-B5C3-BF2054BF5A58}" destId="{20E98E81-D355-4E8D-98F0-D4BA1E977BE4}" srcOrd="4" destOrd="0" parTransId="{CD68CCA3-C0D0-44CA-8BF7-951994EC489B}" sibTransId="{F762F443-280D-4322-AAF9-CEF35B0F3AB9}"/>
-    <dgm:cxn modelId="{F669B882-77F6-4202-8AD0-BFD1E062F3C7}" srcId="{41F1DC23-55BD-431F-B5C3-BF2054BF5A58}" destId="{6B2EE563-9C44-4F04-B44E-0FC5CBBC880C}" srcOrd="5" destOrd="0" parTransId="{C8C8A709-81BE-4887-B6A8-DC6190C401A8}" sibTransId="{2DF1C5E4-AF45-4F17-A7DC-B1EB4D94D09A}"/>
+    <dgm:cxn modelId="{2073B682-7AA8-4A34-8FD9-A2E138F2866D}" srcId="{41F1DC23-55BD-431F-B5C3-BF2054BF5A58}" destId="{20E98E81-D355-4E8D-98F0-D4BA1E977BE4}" srcOrd="3" destOrd="0" parTransId="{CD68CCA3-C0D0-44CA-8BF7-951994EC489B}" sibTransId="{F762F443-280D-4322-AAF9-CEF35B0F3AB9}"/>
     <dgm:cxn modelId="{BDD36789-2912-4CED-9448-828E2589E492}" type="presOf" srcId="{9D111F0D-AB91-47E0-AA96-2AC3825CBF38}" destId="{2D12E288-9BC8-437C-8CB1-684D3204DCF7}" srcOrd="0" destOrd="0" presId="urn:microsoft.com/office/officeart/2016/7/layout/LinearBlockProcessNumbered"/>
-    <dgm:cxn modelId="{A92A8E9C-C281-4841-A344-244AF6151267}" type="presOf" srcId="{6B2EE563-9C44-4F04-B44E-0FC5CBBC880C}" destId="{09882D94-6BD6-4B12-B23E-4362EEF4D74A}" srcOrd="0" destOrd="0" presId="urn:microsoft.com/office/officeart/2016/7/layout/LinearBlockProcessNumbered"/>
-    <dgm:cxn modelId="{B1EE32A5-60A4-405C-BCB8-F7E070A96509}" type="presOf" srcId="{69FE4B62-44EA-44C1-B738-B87888AB22C6}" destId="{987E73B2-C3F0-487A-9FA0-99C8CB598B22}" srcOrd="1" destOrd="0" presId="urn:microsoft.com/office/officeart/2016/7/layout/LinearBlockProcessNumbered"/>
-    <dgm:cxn modelId="{4C4DBDBA-4D1F-4ADC-A332-B990645C2EEC}" type="presOf" srcId="{69FE4B62-44EA-44C1-B738-B87888AB22C6}" destId="{33476414-7830-47E3-AC2D-FD8D23AE5BE4}" srcOrd="0" destOrd="0" presId="urn:microsoft.com/office/officeart/2016/7/layout/LinearBlockProcessNumbered"/>
-    <dgm:cxn modelId="{1EBBF9C6-90CE-4ED9-A4F9-8EE89A971458}" srcId="{41F1DC23-55BD-431F-B5C3-BF2054BF5A58}" destId="{69FE4B62-44EA-44C1-B738-B87888AB22C6}" srcOrd="3" destOrd="0" parTransId="{1968739F-4CD2-4809-B6BA-0B7DEA0A9A0C}" sibTransId="{C4CAF077-83E8-4D2C-BB59-5846B34FA5AB}"/>
-    <dgm:cxn modelId="{57B093C9-77CE-45E5-93D7-8AB0A84A844A}" type="presOf" srcId="{C4CAF077-83E8-4D2C-BB59-5846B34FA5AB}" destId="{8954E9AE-37DE-4377-BCA7-63CEF3F8B69C}" srcOrd="0" destOrd="0" presId="urn:microsoft.com/office/officeart/2016/7/layout/LinearBlockProcessNumbered"/>
     <dgm:cxn modelId="{C73BC2D0-D19D-49EF-BB88-48343577AD64}" type="presOf" srcId="{41F1DC23-55BD-431F-B5C3-BF2054BF5A58}" destId="{43CF1023-A5A3-4D2C-AE4C-7C5BFE8E7F49}" srcOrd="0" destOrd="0" presId="urn:microsoft.com/office/officeart/2016/7/layout/LinearBlockProcessNumbered"/>
-    <dgm:cxn modelId="{E30B9ED2-F99A-4E01-BFC5-B4D84E8DAE44}" type="presOf" srcId="{6B2EE563-9C44-4F04-B44E-0FC5CBBC880C}" destId="{FB5F1C02-FFCA-4319-B9D0-60CC93E690FE}" srcOrd="1" destOrd="0" presId="urn:microsoft.com/office/officeart/2016/7/layout/LinearBlockProcessNumbered"/>
     <dgm:cxn modelId="{8BC1CCD2-3453-48D2-AEBA-855AC762A3A4}" type="presOf" srcId="{1A9CD2A4-B8DE-4A59-BB08-5B5D66BA4962}" destId="{10FF1841-E2A9-428A-8BA9-6EE6B5228A21}" srcOrd="1" destOrd="0" presId="urn:microsoft.com/office/officeart/2016/7/layout/LinearBlockProcessNumbered"/>
     <dgm:cxn modelId="{1F557AD9-08AA-4828-AD32-94E47E0DF9C5}" srcId="{41F1DC23-55BD-431F-B5C3-BF2054BF5A58}" destId="{9D111F0D-AB91-47E0-AA96-2AC3825CBF38}" srcOrd="2" destOrd="0" parTransId="{D2E6DE81-9DB5-41ED-B06B-C53AD5FAD2F0}" sibTransId="{71D9103E-0C7D-4910-AC2F-BFB3F2B089A9}"/>
     <dgm:cxn modelId="{0666CEDB-BB93-4A39-B47E-15DD3E365E75}" type="presOf" srcId="{9D111F0D-AB91-47E0-AA96-2AC3825CBF38}" destId="{CA4B38D2-D8EF-49C0-84BF-7C755488E427}" srcOrd="1" destOrd="0" presId="urn:microsoft.com/office/officeart/2016/7/layout/LinearBlockProcessNumbered"/>
@@ -2908,20 +2755,10 @@
     <dgm:cxn modelId="{613C286D-4D19-403F-BB95-1500C8A578AB}" type="presParOf" srcId="{ADE16103-3797-4AC9-AB24-A0EA9904240A}" destId="{F8DECE61-01B9-4A75-B9CE-ABFF810CCC9B}" srcOrd="1" destOrd="0" presId="urn:microsoft.com/office/officeart/2016/7/layout/LinearBlockProcessNumbered"/>
     <dgm:cxn modelId="{5AC54F18-C5D5-4002-9BCF-82085AA9411F}" type="presParOf" srcId="{ADE16103-3797-4AC9-AB24-A0EA9904240A}" destId="{CA4B38D2-D8EF-49C0-84BF-7C755488E427}" srcOrd="2" destOrd="0" presId="urn:microsoft.com/office/officeart/2016/7/layout/LinearBlockProcessNumbered"/>
     <dgm:cxn modelId="{2911F7A6-44EE-40E1-9090-D597DB014DB4}" type="presParOf" srcId="{43CF1023-A5A3-4D2C-AE4C-7C5BFE8E7F49}" destId="{5F68DA47-2952-4803-A40B-E8C6BC2763B4}" srcOrd="5" destOrd="0" presId="urn:microsoft.com/office/officeart/2016/7/layout/LinearBlockProcessNumbered"/>
-    <dgm:cxn modelId="{A38F50A4-B7B4-4B0D-9B06-E73A4104CEBC}" type="presParOf" srcId="{43CF1023-A5A3-4D2C-AE4C-7C5BFE8E7F49}" destId="{6AA86584-5FBE-4141-9CC9-CD374ADDE855}" srcOrd="6" destOrd="0" presId="urn:microsoft.com/office/officeart/2016/7/layout/LinearBlockProcessNumbered"/>
-    <dgm:cxn modelId="{F74946B0-9127-4BF0-AE29-8B6CEE78AFA2}" type="presParOf" srcId="{6AA86584-5FBE-4141-9CC9-CD374ADDE855}" destId="{33476414-7830-47E3-AC2D-FD8D23AE5BE4}" srcOrd="0" destOrd="0" presId="urn:microsoft.com/office/officeart/2016/7/layout/LinearBlockProcessNumbered"/>
-    <dgm:cxn modelId="{FD13A2A1-7CA6-4EF7-8455-12622B80B6DA}" type="presParOf" srcId="{6AA86584-5FBE-4141-9CC9-CD374ADDE855}" destId="{8954E9AE-37DE-4377-BCA7-63CEF3F8B69C}" srcOrd="1" destOrd="0" presId="urn:microsoft.com/office/officeart/2016/7/layout/LinearBlockProcessNumbered"/>
-    <dgm:cxn modelId="{B1BA1DB1-2428-4C74-982D-9A3A94E99CE3}" type="presParOf" srcId="{6AA86584-5FBE-4141-9CC9-CD374ADDE855}" destId="{987E73B2-C3F0-487A-9FA0-99C8CB598B22}" srcOrd="2" destOrd="0" presId="urn:microsoft.com/office/officeart/2016/7/layout/LinearBlockProcessNumbered"/>
-    <dgm:cxn modelId="{7585A3CB-C0EB-40CE-AB73-80ECEA73A5F8}" type="presParOf" srcId="{43CF1023-A5A3-4D2C-AE4C-7C5BFE8E7F49}" destId="{0F831A91-FBAE-4106-B7F3-9A2EFAE7E22E}" srcOrd="7" destOrd="0" presId="urn:microsoft.com/office/officeart/2016/7/layout/LinearBlockProcessNumbered"/>
-    <dgm:cxn modelId="{ABFB9502-B711-441E-9C20-B9A314383F13}" type="presParOf" srcId="{43CF1023-A5A3-4D2C-AE4C-7C5BFE8E7F49}" destId="{98243217-F054-4F36-8748-621E98D1C4CE}" srcOrd="8" destOrd="0" presId="urn:microsoft.com/office/officeart/2016/7/layout/LinearBlockProcessNumbered"/>
+    <dgm:cxn modelId="{ABFB9502-B711-441E-9C20-B9A314383F13}" type="presParOf" srcId="{43CF1023-A5A3-4D2C-AE4C-7C5BFE8E7F49}" destId="{98243217-F054-4F36-8748-621E98D1C4CE}" srcOrd="6" destOrd="0" presId="urn:microsoft.com/office/officeart/2016/7/layout/LinearBlockProcessNumbered"/>
     <dgm:cxn modelId="{AFB24671-6CD7-4E50-B4F6-892104B5AFDA}" type="presParOf" srcId="{98243217-F054-4F36-8748-621E98D1C4CE}" destId="{F2DFACFA-BDC3-4F85-9C45-4004B29A072B}" srcOrd="0" destOrd="0" presId="urn:microsoft.com/office/officeart/2016/7/layout/LinearBlockProcessNumbered"/>
     <dgm:cxn modelId="{EE214E19-894D-4537-A883-D74D34DB28AF}" type="presParOf" srcId="{98243217-F054-4F36-8748-621E98D1C4CE}" destId="{7788F589-B6DF-4BD5-B39D-6E6306C0881E}" srcOrd="1" destOrd="0" presId="urn:microsoft.com/office/officeart/2016/7/layout/LinearBlockProcessNumbered"/>
     <dgm:cxn modelId="{BB49A88D-8EAB-4C65-AC74-BCA4593C3243}" type="presParOf" srcId="{98243217-F054-4F36-8748-621E98D1C4CE}" destId="{58E6F53E-B2CF-4305-9239-DB6F9B3EE5C8}" srcOrd="2" destOrd="0" presId="urn:microsoft.com/office/officeart/2016/7/layout/LinearBlockProcessNumbered"/>
-    <dgm:cxn modelId="{3A45999F-9A45-487B-91C4-6FD790186248}" type="presParOf" srcId="{43CF1023-A5A3-4D2C-AE4C-7C5BFE8E7F49}" destId="{066CFA61-DD3E-4937-BEAF-A8948762D382}" srcOrd="9" destOrd="0" presId="urn:microsoft.com/office/officeart/2016/7/layout/LinearBlockProcessNumbered"/>
-    <dgm:cxn modelId="{8428E1D4-F2ED-41AB-9595-E7E1824C9853}" type="presParOf" srcId="{43CF1023-A5A3-4D2C-AE4C-7C5BFE8E7F49}" destId="{B4A4C109-C368-492D-A0E2-572B88C3ACDA}" srcOrd="10" destOrd="0" presId="urn:microsoft.com/office/officeart/2016/7/layout/LinearBlockProcessNumbered"/>
-    <dgm:cxn modelId="{99F8BB88-5D7A-4B1E-855E-F3E1C82DD032}" type="presParOf" srcId="{B4A4C109-C368-492D-A0E2-572B88C3ACDA}" destId="{09882D94-6BD6-4B12-B23E-4362EEF4D74A}" srcOrd="0" destOrd="0" presId="urn:microsoft.com/office/officeart/2016/7/layout/LinearBlockProcessNumbered"/>
-    <dgm:cxn modelId="{20714985-FAF7-4692-B14E-C61361B44ED3}" type="presParOf" srcId="{B4A4C109-C368-492D-A0E2-572B88C3ACDA}" destId="{49BD0D15-054C-4C2A-B116-231CF123127C}" srcOrd="1" destOrd="0" presId="urn:microsoft.com/office/officeart/2016/7/layout/LinearBlockProcessNumbered"/>
-    <dgm:cxn modelId="{6FD4C5A3-3DCA-4622-AE84-52ECA49A12CC}" type="presParOf" srcId="{B4A4C109-C368-492D-A0E2-572B88C3ACDA}" destId="{FB5F1C02-FFCA-4319-B9D0-60CC93E690FE}" srcOrd="2" destOrd="0" presId="urn:microsoft.com/office/officeart/2016/7/layout/LinearBlockProcessNumbered"/>
   </dgm:cxnLst>
   <dgm:bg/>
   <dgm:whole/>
@@ -3606,8 +3443,8 @@
       </dsp:nvSpPr>
       <dsp:spPr>
         <a:xfrm>
-          <a:off x="6740" y="425989"/>
-          <a:ext cx="1837590" cy="2948349"/>
+          <a:off x="620" y="-255352"/>
+          <a:ext cx="2686897" cy="4311032"/>
         </a:xfrm>
         <a:prstGeom prst="rect">
           <a:avLst/>
@@ -3649,12 +3486,12 @@
         </a:fontRef>
       </dsp:style>
       <dsp:txBody>
-        <a:bodyPr spcFirstLastPara="0" vert="horz" wrap="square" lIns="159418" tIns="0" rIns="159418" bIns="330200" numCol="1" spcCol="1270" anchor="t" anchorCtr="0">
+        <a:bodyPr spcFirstLastPara="0" vert="horz" wrap="square" lIns="233098" tIns="0" rIns="233098" bIns="330200" numCol="1" spcCol="1270" anchor="t" anchorCtr="0">
           <a:noAutofit/>
         </a:bodyPr>
         <a:lstStyle/>
         <a:p>
-          <a:pPr marL="0" lvl="0" indent="0" algn="l" defTabSz="488950">
+          <a:pPr marL="0" lvl="0" indent="0" algn="l" defTabSz="666750">
             <a:lnSpc>
               <a:spcPct val="90000"/>
             </a:lnSpc>
@@ -3667,30 +3504,30 @@
             <a:buNone/>
           </a:pPr>
           <a:r>
-            <a:rPr lang="en-US" sz="1100" kern="1200" dirty="0"/>
+            <a:rPr lang="en-US" sz="1500" kern="1200" dirty="0"/>
             <a:t>Develop and implement machine learning models for mobile price prediction using Python and relevant libraries like Scikit-learn, </a:t>
           </a:r>
           <a:r>
-            <a:rPr lang="en-US" sz="1100" kern="1200" dirty="0" err="1"/>
+            <a:rPr lang="en-US" sz="1500" kern="1200" dirty="0" err="1"/>
             <a:t>Tensorflow</a:t>
           </a:r>
           <a:r>
-            <a:rPr lang="en-US" sz="1100" kern="1200" dirty="0"/>
+            <a:rPr lang="en-US" sz="1500" kern="1200" dirty="0"/>
             <a:t>, and </a:t>
           </a:r>
           <a:r>
-            <a:rPr lang="en-US" sz="1100" kern="1200" dirty="0" err="1"/>
+            <a:rPr lang="en-US" sz="1500" kern="1200" dirty="0" err="1"/>
             <a:t>Keras</a:t>
           </a:r>
           <a:r>
-            <a:rPr lang="en-US" sz="1100" kern="1200" dirty="0"/>
+            <a:rPr lang="en-US" sz="1500" kern="1200" dirty="0"/>
             <a:t>.</a:t>
           </a:r>
         </a:p>
       </dsp:txBody>
       <dsp:txXfrm>
-        <a:off x="6740" y="1605329"/>
-        <a:ext cx="1837590" cy="1769009"/>
+        <a:off x="620" y="1469060"/>
+        <a:ext cx="2686897" cy="2586619"/>
       </dsp:txXfrm>
     </dsp:sp>
     <dsp:sp modelId="{FC2C54B3-A522-49BB-B5A5-B8BF9FF5B9FC}">
@@ -3700,8 +3537,8 @@
       </dsp:nvSpPr>
       <dsp:spPr>
         <a:xfrm>
-          <a:off x="118584" y="931821"/>
-          <a:ext cx="1613903" cy="774673"/>
+          <a:off x="164156" y="484268"/>
+          <a:ext cx="2359825" cy="1132716"/>
         </a:xfrm>
         <a:prstGeom prst="rect">
           <a:avLst/>
@@ -3730,12 +3567,12 @@
         </a:fontRef>
       </dsp:style>
       <dsp:txBody>
-        <a:bodyPr spcFirstLastPara="0" vert="horz" wrap="square" lIns="159418" tIns="165100" rIns="159418" bIns="165100" numCol="1" spcCol="1270" anchor="ctr" anchorCtr="0">
+        <a:bodyPr spcFirstLastPara="0" vert="horz" wrap="square" lIns="233098" tIns="165100" rIns="233098" bIns="165100" numCol="1" spcCol="1270" anchor="ctr" anchorCtr="0">
           <a:noAutofit/>
         </a:bodyPr>
         <a:lstStyle/>
         <a:p>
-          <a:pPr marL="0" lvl="0" indent="0" algn="l" defTabSz="1377950">
+          <a:pPr marL="0" lvl="0" indent="0" algn="l" defTabSz="2578100">
             <a:lnSpc>
               <a:spcPct val="90000"/>
             </a:lnSpc>
@@ -3748,15 +3585,15 @@
             <a:buNone/>
           </a:pPr>
           <a:r>
-            <a:rPr lang="en-US" sz="3100" kern="1200"/>
+            <a:rPr lang="en-US" sz="5800" kern="1200"/>
             <a:t>01</a:t>
           </a:r>
-          <a:endParaRPr lang="en-US" sz="3100" kern="1200" dirty="0"/>
+          <a:endParaRPr lang="en-US" sz="5800" kern="1200" dirty="0"/>
         </a:p>
       </dsp:txBody>
       <dsp:txXfrm>
-        <a:off x="118584" y="931821"/>
-        <a:ext cx="1613903" cy="774673"/>
+        <a:off x="164156" y="484268"/>
+        <a:ext cx="2359825" cy="1132716"/>
       </dsp:txXfrm>
     </dsp:sp>
     <dsp:sp modelId="{EDFA03B6-0448-4109-838A-28B9BC8DC370}">
@@ -3766,26 +3603,26 @@
       </dsp:nvSpPr>
       <dsp:spPr>
         <a:xfrm>
-          <a:off x="1973443" y="425989"/>
-          <a:ext cx="1635336" cy="2948330"/>
+          <a:off x="2876303" y="-255352"/>
+          <a:ext cx="2391163" cy="4311004"/>
         </a:xfrm>
         <a:prstGeom prst="rect">
           <a:avLst/>
         </a:prstGeom>
         <a:solidFill>
           <a:schemeClr val="accent2">
-            <a:hueOff val="-287876"/>
-            <a:satOff val="2308"/>
-            <a:lumOff val="1725"/>
+            <a:hueOff val="-479793"/>
+            <a:satOff val="3847"/>
+            <a:lumOff val="2876"/>
             <a:alphaOff val="0"/>
           </a:schemeClr>
         </a:solidFill>
         <a:ln w="12700" cap="flat" cmpd="sng" algn="ctr">
           <a:solidFill>
             <a:schemeClr val="accent2">
-              <a:hueOff val="-287876"/>
-              <a:satOff val="2308"/>
-              <a:lumOff val="1725"/>
+              <a:hueOff val="-479793"/>
+              <a:satOff val="3847"/>
+              <a:lumOff val="2876"/>
               <a:alphaOff val="0"/>
             </a:schemeClr>
           </a:solidFill>
@@ -3809,12 +3646,12 @@
         </a:fontRef>
       </dsp:style>
       <dsp:txBody>
-        <a:bodyPr spcFirstLastPara="0" vert="horz" wrap="square" lIns="159418" tIns="0" rIns="159418" bIns="330200" numCol="1" spcCol="1270" anchor="t" anchorCtr="0">
+        <a:bodyPr spcFirstLastPara="0" vert="horz" wrap="square" lIns="233098" tIns="0" rIns="233098" bIns="330200" numCol="1" spcCol="1270" anchor="t" anchorCtr="0">
           <a:noAutofit/>
         </a:bodyPr>
         <a:lstStyle/>
         <a:p>
-          <a:pPr marL="0" lvl="0" indent="0" algn="l" defTabSz="488950">
+          <a:pPr marL="0" lvl="0" indent="0" algn="l" defTabSz="666750">
             <a:lnSpc>
               <a:spcPct val="90000"/>
             </a:lnSpc>
@@ -3827,14 +3664,14 @@
             <a:buNone/>
           </a:pPr>
           <a:r>
-            <a:rPr lang="en-US" sz="1100" kern="1200" dirty="0"/>
+            <a:rPr lang="en-US" sz="1500" kern="1200" dirty="0"/>
             <a:t>Conduct data preprocessing and feature engineering to prepare the data for model training and evaluation.</a:t>
           </a:r>
         </a:p>
       </dsp:txBody>
       <dsp:txXfrm>
-        <a:off x="1973443" y="1605321"/>
-        <a:ext cx="1635336" cy="1768998"/>
+        <a:off x="2876303" y="1469049"/>
+        <a:ext cx="2391163" cy="2586602"/>
       </dsp:txXfrm>
     </dsp:sp>
     <dsp:sp modelId="{3AD814A6-2E8A-4C66-B9AD-0F7B435AEEE7}">
@@ -3844,8 +3681,8 @@
       </dsp:nvSpPr>
       <dsp:spPr>
         <a:xfrm>
-          <a:off x="1984160" y="931812"/>
-          <a:ext cx="1613903" cy="774673"/>
+          <a:off x="2891972" y="484254"/>
+          <a:ext cx="2359825" cy="1132716"/>
         </a:xfrm>
         <a:prstGeom prst="rect">
           <a:avLst/>
@@ -3874,12 +3711,12 @@
         </a:fontRef>
       </dsp:style>
       <dsp:txBody>
-        <a:bodyPr spcFirstLastPara="0" vert="horz" wrap="square" lIns="159418" tIns="165100" rIns="159418" bIns="165100" numCol="1" spcCol="1270" anchor="ctr" anchorCtr="0">
+        <a:bodyPr spcFirstLastPara="0" vert="horz" wrap="square" lIns="233098" tIns="165100" rIns="233098" bIns="165100" numCol="1" spcCol="1270" anchor="ctr" anchorCtr="0">
           <a:noAutofit/>
         </a:bodyPr>
         <a:lstStyle/>
         <a:p>
-          <a:pPr marL="0" lvl="0" indent="0" algn="l" defTabSz="1377950">
+          <a:pPr marL="0" lvl="0" indent="0" algn="l" defTabSz="2578100">
             <a:lnSpc>
               <a:spcPct val="90000"/>
             </a:lnSpc>
@@ -3892,14 +3729,14 @@
             <a:buNone/>
           </a:pPr>
           <a:r>
-            <a:rPr lang="en-US" sz="3100" kern="1200"/>
+            <a:rPr lang="en-US" sz="5800" kern="1200"/>
             <a:t>02</a:t>
           </a:r>
         </a:p>
       </dsp:txBody>
       <dsp:txXfrm>
-        <a:off x="1984160" y="931812"/>
-        <a:ext cx="1613903" cy="774673"/>
+        <a:off x="2891972" y="484254"/>
+        <a:ext cx="2359825" cy="1132716"/>
       </dsp:txXfrm>
     </dsp:sp>
     <dsp:sp modelId="{2D12E288-9BC8-437C-8CB1-684D3204DCF7}">
@@ -3909,26 +3746,26 @@
       </dsp:nvSpPr>
       <dsp:spPr>
         <a:xfrm>
-          <a:off x="3737892" y="474541"/>
-          <a:ext cx="1844772" cy="2856260"/>
+          <a:off x="5456253" y="-255352"/>
+          <a:ext cx="2697398" cy="4176381"/>
         </a:xfrm>
         <a:prstGeom prst="rect">
           <a:avLst/>
         </a:prstGeom>
         <a:solidFill>
           <a:schemeClr val="accent2">
-            <a:hueOff val="-575751"/>
-            <a:satOff val="4616"/>
-            <a:lumOff val="3451"/>
+            <a:hueOff val="-959585"/>
+            <a:satOff val="7694"/>
+            <a:lumOff val="5751"/>
             <a:alphaOff val="0"/>
           </a:schemeClr>
         </a:solidFill>
         <a:ln w="12700" cap="flat" cmpd="sng" algn="ctr">
           <a:solidFill>
             <a:schemeClr val="accent2">
-              <a:hueOff val="-575751"/>
-              <a:satOff val="4616"/>
-              <a:lumOff val="3451"/>
+              <a:hueOff val="-959585"/>
+              <a:satOff val="7694"/>
+              <a:lumOff val="5751"/>
               <a:alphaOff val="0"/>
             </a:schemeClr>
           </a:solidFill>
@@ -3952,12 +3789,12 @@
         </a:fontRef>
       </dsp:style>
       <dsp:txBody>
-        <a:bodyPr spcFirstLastPara="0" vert="horz" wrap="square" lIns="159418" tIns="0" rIns="159418" bIns="330200" numCol="1" spcCol="1270" anchor="t" anchorCtr="0">
+        <a:bodyPr spcFirstLastPara="0" vert="horz" wrap="square" lIns="233098" tIns="0" rIns="233098" bIns="330200" numCol="1" spcCol="1270" anchor="t" anchorCtr="0">
           <a:noAutofit/>
         </a:bodyPr>
         <a:lstStyle/>
         <a:p>
-          <a:pPr marL="0" lvl="0" indent="0" algn="l" defTabSz="488950">
+          <a:pPr marL="0" lvl="0" indent="0" algn="l" defTabSz="666750">
             <a:lnSpc>
               <a:spcPct val="90000"/>
             </a:lnSpc>
@@ -3970,14 +3807,14 @@
             <a:buNone/>
           </a:pPr>
           <a:r>
-            <a:rPr lang="en-US" sz="1100" kern="1200" dirty="0"/>
+            <a:rPr lang="en-US" sz="1500" kern="1200" dirty="0"/>
             <a:t>Evaluate model performance, and fine-tune model parameters to optimize the prediction accuracy.</a:t>
           </a:r>
         </a:p>
       </dsp:txBody>
       <dsp:txXfrm>
-        <a:off x="3737892" y="1617045"/>
-        <a:ext cx="1844772" cy="1713756"/>
+        <a:off x="5456253" y="1415200"/>
+        <a:ext cx="2697398" cy="2505828"/>
       </dsp:txXfrm>
     </dsp:sp>
     <dsp:sp modelId="{F8DECE61-01B9-4A75-B9CE-ABFF810CCC9B}">
@@ -3987,8 +3824,8 @@
       </dsp:nvSpPr>
       <dsp:spPr>
         <a:xfrm>
-          <a:off x="3853326" y="885777"/>
-          <a:ext cx="1613903" cy="774673"/>
+          <a:off x="5625040" y="416943"/>
+          <a:ext cx="2359825" cy="1132716"/>
         </a:xfrm>
         <a:prstGeom prst="rect">
           <a:avLst/>
@@ -4017,12 +3854,12 @@
         </a:fontRef>
       </dsp:style>
       <dsp:txBody>
-        <a:bodyPr spcFirstLastPara="0" vert="horz" wrap="square" lIns="159418" tIns="165100" rIns="159418" bIns="165100" numCol="1" spcCol="1270" anchor="ctr" anchorCtr="0">
+        <a:bodyPr spcFirstLastPara="0" vert="horz" wrap="square" lIns="233098" tIns="165100" rIns="233098" bIns="165100" numCol="1" spcCol="1270" anchor="ctr" anchorCtr="0">
           <a:noAutofit/>
         </a:bodyPr>
         <a:lstStyle/>
         <a:p>
-          <a:pPr marL="0" lvl="0" indent="0" algn="l" defTabSz="1377950">
+          <a:pPr marL="0" lvl="0" indent="0" algn="l" defTabSz="2578100">
             <a:lnSpc>
               <a:spcPct val="90000"/>
             </a:lnSpc>
@@ -4035,158 +3872,14 @@
             <a:buNone/>
           </a:pPr>
           <a:r>
-            <a:rPr lang="en-US" sz="3100" kern="1200"/>
+            <a:rPr lang="en-US" sz="5800" kern="1200"/>
             <a:t>03</a:t>
           </a:r>
         </a:p>
       </dsp:txBody>
       <dsp:txXfrm>
-        <a:off x="3853326" y="885777"/>
-        <a:ext cx="1613903" cy="774673"/>
-      </dsp:txXfrm>
-    </dsp:sp>
-    <dsp:sp modelId="{33476414-7830-47E3-AC2D-FD8D23AE5BE4}">
-      <dsp:nvSpPr>
-        <dsp:cNvPr id="0" name=""/>
-        <dsp:cNvSpPr/>
-      </dsp:nvSpPr>
-      <dsp:spPr>
-        <a:xfrm>
-          <a:off x="5707822" y="430540"/>
-          <a:ext cx="1627072" cy="2856260"/>
-        </a:xfrm>
-        <a:prstGeom prst="rect">
-          <a:avLst/>
-        </a:prstGeom>
-        <a:solidFill>
-          <a:schemeClr val="accent2">
-            <a:hueOff val="-863627"/>
-            <a:satOff val="6925"/>
-            <a:lumOff val="5176"/>
-            <a:alphaOff val="0"/>
-          </a:schemeClr>
-        </a:solidFill>
-        <a:ln w="12700" cap="flat" cmpd="sng" algn="ctr">
-          <a:solidFill>
-            <a:schemeClr val="accent2">
-              <a:hueOff val="-863627"/>
-              <a:satOff val="6925"/>
-              <a:lumOff val="5176"/>
-              <a:alphaOff val="0"/>
-            </a:schemeClr>
-          </a:solidFill>
-          <a:prstDash val="solid"/>
-          <a:miter lim="800000"/>
-        </a:ln>
-        <a:effectLst/>
-      </dsp:spPr>
-      <dsp:style>
-        <a:lnRef idx="2">
-          <a:scrgbClr r="0" g="0" b="0"/>
-        </a:lnRef>
-        <a:fillRef idx="1">
-          <a:scrgbClr r="0" g="0" b="0"/>
-        </a:fillRef>
-        <a:effectRef idx="0">
-          <a:scrgbClr r="0" g="0" b="0"/>
-        </a:effectRef>
-        <a:fontRef idx="minor">
-          <a:schemeClr val="lt1"/>
-        </a:fontRef>
-      </dsp:style>
-      <dsp:txBody>
-        <a:bodyPr spcFirstLastPara="0" vert="horz" wrap="square" lIns="159418" tIns="0" rIns="159418" bIns="330200" numCol="1" spcCol="1270" anchor="t" anchorCtr="0">
-          <a:noAutofit/>
-        </a:bodyPr>
-        <a:lstStyle/>
-        <a:p>
-          <a:pPr marL="0" lvl="0" indent="0" algn="l" defTabSz="488950">
-            <a:lnSpc>
-              <a:spcPct val="90000"/>
-            </a:lnSpc>
-            <a:spcBef>
-              <a:spcPct val="0"/>
-            </a:spcBef>
-            <a:spcAft>
-              <a:spcPct val="35000"/>
-            </a:spcAft>
-            <a:buNone/>
-          </a:pPr>
-          <a:r>
-            <a:rPr lang="en-US" sz="1100" kern="1200" dirty="0"/>
-            <a:t>Collaborate with data engineers to ensure data quality, reliability, and integrity.</a:t>
-          </a:r>
-        </a:p>
-      </dsp:txBody>
-      <dsp:txXfrm>
-        <a:off x="5707822" y="1573044"/>
-        <a:ext cx="1627072" cy="1713756"/>
-      </dsp:txXfrm>
-    </dsp:sp>
-    <dsp:sp modelId="{8954E9AE-37DE-4377-BCA7-63CEF3F8B69C}">
-      <dsp:nvSpPr>
-        <dsp:cNvPr id="0" name=""/>
-        <dsp:cNvSpPr/>
-      </dsp:nvSpPr>
-      <dsp:spPr>
-        <a:xfrm>
-          <a:off x="5718361" y="885777"/>
-          <a:ext cx="1613903" cy="774673"/>
-        </a:xfrm>
-        <a:prstGeom prst="rect">
-          <a:avLst/>
-        </a:prstGeom>
-        <a:noFill/>
-        <a:ln w="12700" cap="flat" cmpd="sng" algn="ctr">
-          <a:noFill/>
-          <a:prstDash val="solid"/>
-          <a:miter lim="800000"/>
-        </a:ln>
-        <a:effectLst/>
-        <a:sp3d/>
-      </dsp:spPr>
-      <dsp:style>
-        <a:lnRef idx="2">
-          <a:scrgbClr r="0" g="0" b="0"/>
-        </a:lnRef>
-        <a:fillRef idx="1">
-          <a:scrgbClr r="0" g="0" b="0"/>
-        </a:fillRef>
-        <a:effectRef idx="0">
-          <a:scrgbClr r="0" g="0" b="0"/>
-        </a:effectRef>
-        <a:fontRef idx="minor">
-          <a:schemeClr val="lt1"/>
-        </a:fontRef>
-      </dsp:style>
-      <dsp:txBody>
-        <a:bodyPr spcFirstLastPara="0" vert="horz" wrap="square" lIns="159418" tIns="165100" rIns="159418" bIns="165100" numCol="1" spcCol="1270" anchor="ctr" anchorCtr="0">
-          <a:noAutofit/>
-        </a:bodyPr>
-        <a:lstStyle/>
-        <a:p>
-          <a:pPr marL="0" lvl="0" indent="0" algn="l" defTabSz="1377950">
-            <a:lnSpc>
-              <a:spcPct val="90000"/>
-            </a:lnSpc>
-            <a:spcBef>
-              <a:spcPct val="0"/>
-            </a:spcBef>
-            <a:spcAft>
-              <a:spcPct val="35000"/>
-            </a:spcAft>
-            <a:buNone/>
-          </a:pPr>
-          <a:r>
-            <a:rPr lang="en-US" sz="3100" kern="1200"/>
-            <a:t>04</a:t>
-          </a:r>
-          <a:endParaRPr lang="en-US" sz="3100" kern="1200" dirty="0"/>
-        </a:p>
-      </dsp:txBody>
-      <dsp:txXfrm>
-        <a:off x="5718361" y="885777"/>
-        <a:ext cx="1613903" cy="774673"/>
+        <a:off x="5625040" y="416943"/>
+        <a:ext cx="2359825" cy="1132716"/>
       </dsp:txXfrm>
     </dsp:sp>
     <dsp:sp modelId="{F2DFACFA-BDC3-4F85-9C45-4004B29A072B}">
@@ -4196,151 +3889,8 @@
       </dsp:nvSpPr>
       <dsp:spPr>
         <a:xfrm>
-          <a:off x="7484327" y="385241"/>
-          <a:ext cx="1892447" cy="2839682"/>
-        </a:xfrm>
-        <a:prstGeom prst="rect">
-          <a:avLst/>
-        </a:prstGeom>
-        <a:solidFill>
-          <a:schemeClr val="accent2">
-            <a:hueOff val="-1151502"/>
-            <a:satOff val="9233"/>
-            <a:lumOff val="6902"/>
-            <a:alphaOff val="0"/>
-          </a:schemeClr>
-        </a:solidFill>
-        <a:ln w="12700" cap="flat" cmpd="sng" algn="ctr">
-          <a:solidFill>
-            <a:schemeClr val="accent2">
-              <a:hueOff val="-1151502"/>
-              <a:satOff val="9233"/>
-              <a:lumOff val="6902"/>
-              <a:alphaOff val="0"/>
-            </a:schemeClr>
-          </a:solidFill>
-          <a:prstDash val="solid"/>
-          <a:miter lim="800000"/>
-        </a:ln>
-        <a:effectLst/>
-      </dsp:spPr>
-      <dsp:style>
-        <a:lnRef idx="2">
-          <a:scrgbClr r="0" g="0" b="0"/>
-        </a:lnRef>
-        <a:fillRef idx="1">
-          <a:scrgbClr r="0" g="0" b="0"/>
-        </a:fillRef>
-        <a:effectRef idx="0">
-          <a:scrgbClr r="0" g="0" b="0"/>
-        </a:effectRef>
-        <a:fontRef idx="minor">
-          <a:schemeClr val="lt1"/>
-        </a:fontRef>
-      </dsp:style>
-      <dsp:txBody>
-        <a:bodyPr spcFirstLastPara="0" vert="horz" wrap="square" lIns="159418" tIns="0" rIns="159418" bIns="330200" numCol="1" spcCol="1270" anchor="t" anchorCtr="0">
-          <a:noAutofit/>
-        </a:bodyPr>
-        <a:lstStyle/>
-        <a:p>
-          <a:pPr marL="0" lvl="0" indent="0" algn="l" defTabSz="488950">
-            <a:lnSpc>
-              <a:spcPct val="90000"/>
-            </a:lnSpc>
-            <a:spcBef>
-              <a:spcPct val="0"/>
-            </a:spcBef>
-            <a:spcAft>
-              <a:spcPct val="35000"/>
-            </a:spcAft>
-            <a:buNone/>
-          </a:pPr>
-          <a:r>
-            <a:rPr lang="en-US" sz="1100" kern="1200" dirty="0"/>
-            <a:t>Design and implement data pipelines to ingest, process, and store the mobile price data</a:t>
-          </a:r>
-        </a:p>
-      </dsp:txBody>
-      <dsp:txXfrm>
-        <a:off x="7484327" y="1521114"/>
-        <a:ext cx="1892447" cy="1703809"/>
-      </dsp:txXfrm>
-    </dsp:sp>
-    <dsp:sp modelId="{7788F589-B6DF-4BD5-B39D-6E6306C0881E}">
-      <dsp:nvSpPr>
-        <dsp:cNvPr id="0" name=""/>
-        <dsp:cNvSpPr/>
-      </dsp:nvSpPr>
-      <dsp:spPr>
-        <a:xfrm>
-          <a:off x="7607233" y="877488"/>
-          <a:ext cx="1613903" cy="774673"/>
-        </a:xfrm>
-        <a:prstGeom prst="rect">
-          <a:avLst/>
-        </a:prstGeom>
-        <a:noFill/>
-        <a:ln w="12700" cap="flat" cmpd="sng" algn="ctr">
-          <a:noFill/>
-          <a:prstDash val="solid"/>
-          <a:miter lim="800000"/>
-        </a:ln>
-        <a:effectLst/>
-        <a:sp3d/>
-      </dsp:spPr>
-      <dsp:style>
-        <a:lnRef idx="2">
-          <a:scrgbClr r="0" g="0" b="0"/>
-        </a:lnRef>
-        <a:fillRef idx="1">
-          <a:scrgbClr r="0" g="0" b="0"/>
-        </a:fillRef>
-        <a:effectRef idx="0">
-          <a:scrgbClr r="0" g="0" b="0"/>
-        </a:effectRef>
-        <a:fontRef idx="minor">
-          <a:schemeClr val="lt1"/>
-        </a:fontRef>
-      </dsp:style>
-      <dsp:txBody>
-        <a:bodyPr spcFirstLastPara="0" vert="horz" wrap="square" lIns="159418" tIns="165100" rIns="159418" bIns="165100" numCol="1" spcCol="1270" anchor="ctr" anchorCtr="0">
-          <a:noAutofit/>
-        </a:bodyPr>
-        <a:lstStyle/>
-        <a:p>
-          <a:pPr marL="0" lvl="0" indent="0" algn="l" defTabSz="1377950">
-            <a:lnSpc>
-              <a:spcPct val="90000"/>
-            </a:lnSpc>
-            <a:spcBef>
-              <a:spcPct val="0"/>
-            </a:spcBef>
-            <a:spcAft>
-              <a:spcPct val="35000"/>
-            </a:spcAft>
-            <a:buNone/>
-          </a:pPr>
-          <a:r>
-            <a:rPr lang="en-US" sz="3100" kern="1200"/>
-            <a:t>05</a:t>
-          </a:r>
-        </a:p>
-      </dsp:txBody>
-      <dsp:txXfrm>
-        <a:off x="7607233" y="877488"/>
-        <a:ext cx="1613903" cy="774673"/>
-      </dsp:txXfrm>
-    </dsp:sp>
-    <dsp:sp modelId="{09882D94-6BD6-4B12-B23E-4362EEF4D74A}">
-      <dsp:nvSpPr>
-        <dsp:cNvPr id="0" name=""/>
-        <dsp:cNvSpPr/>
-      </dsp:nvSpPr>
-      <dsp:spPr>
-        <a:xfrm>
-          <a:off x="9489521" y="425989"/>
-          <a:ext cx="1613903" cy="2801142"/>
+          <a:off x="8343058" y="-255352"/>
+          <a:ext cx="2767107" cy="4152140"/>
         </a:xfrm>
         <a:prstGeom prst="rect">
           <a:avLst/>
@@ -4382,12 +3932,12 @@
         </a:fontRef>
       </dsp:style>
       <dsp:txBody>
-        <a:bodyPr spcFirstLastPara="0" vert="horz" wrap="square" lIns="159418" tIns="0" rIns="159418" bIns="330200" numCol="1" spcCol="1270" anchor="t" anchorCtr="0">
+        <a:bodyPr spcFirstLastPara="0" vert="horz" wrap="square" lIns="233098" tIns="0" rIns="233098" bIns="330200" numCol="1" spcCol="1270" anchor="t" anchorCtr="0">
           <a:noAutofit/>
         </a:bodyPr>
         <a:lstStyle/>
         <a:p>
-          <a:pPr marL="0" lvl="0" indent="0" algn="l" defTabSz="488950">
+          <a:pPr marL="0" lvl="0" indent="0" algn="l" defTabSz="666750">
             <a:lnSpc>
               <a:spcPct val="90000"/>
             </a:lnSpc>
@@ -4400,25 +3950,25 @@
             <a:buNone/>
           </a:pPr>
           <a:r>
-            <a:rPr lang="en-US" sz="1100" kern="1200" dirty="0"/>
-            <a:t>Collaborate with team engineers to ensure that the data is suitable for training and evaluation of machine learning models.</a:t>
+            <a:rPr lang="en-US" sz="1500" kern="1200" dirty="0"/>
+            <a:t>Design and implement data pipelines to ingest, process, and store the mobile price data</a:t>
           </a:r>
         </a:p>
       </dsp:txBody>
       <dsp:txXfrm>
-        <a:off x="9489521" y="1546446"/>
-        <a:ext cx="1613903" cy="1680685"/>
+        <a:off x="8343058" y="1405504"/>
+        <a:ext cx="2767107" cy="2491284"/>
       </dsp:txXfrm>
     </dsp:sp>
-    <dsp:sp modelId="{49BD0D15-054C-4C2A-B116-231CF123127C}">
+    <dsp:sp modelId="{7788F589-B6DF-4BD5-B39D-6E6306C0881E}">
       <dsp:nvSpPr>
         <dsp:cNvPr id="0" name=""/>
         <dsp:cNvSpPr/>
       </dsp:nvSpPr>
       <dsp:spPr>
         <a:xfrm>
-          <a:off x="9489521" y="858218"/>
-          <a:ext cx="1613903" cy="774673"/>
+          <a:off x="8546078" y="404822"/>
+          <a:ext cx="2359825" cy="1132716"/>
         </a:xfrm>
         <a:prstGeom prst="rect">
           <a:avLst/>
@@ -4447,12 +3997,12 @@
         </a:fontRef>
       </dsp:style>
       <dsp:txBody>
-        <a:bodyPr spcFirstLastPara="0" vert="horz" wrap="square" lIns="159418" tIns="165100" rIns="159418" bIns="165100" numCol="1" spcCol="1270" anchor="ctr" anchorCtr="0">
+        <a:bodyPr spcFirstLastPara="0" vert="horz" wrap="square" lIns="233098" tIns="165100" rIns="233098" bIns="165100" numCol="1" spcCol="1270" anchor="ctr" anchorCtr="0">
           <a:noAutofit/>
         </a:bodyPr>
         <a:lstStyle/>
         <a:p>
-          <a:pPr marL="0" lvl="0" indent="0" algn="l" defTabSz="1377950">
+          <a:pPr marL="0" lvl="0" indent="0" algn="l" defTabSz="2578100">
             <a:lnSpc>
               <a:spcPct val="90000"/>
             </a:lnSpc>
@@ -4465,14 +4015,14 @@
             <a:buNone/>
           </a:pPr>
           <a:r>
-            <a:rPr lang="en-US" sz="3100" kern="1200"/>
-            <a:t>06</a:t>
+            <a:rPr lang="en-US" sz="5800" kern="1200"/>
+            <a:t>04</a:t>
           </a:r>
         </a:p>
       </dsp:txBody>
       <dsp:txXfrm>
-        <a:off x="9489521" y="858218"/>
-        <a:ext cx="1613903" cy="774673"/>
+        <a:off x="8546078" y="404822"/>
+        <a:ext cx="2359825" cy="1132716"/>
       </dsp:txXfrm>
     </dsp:sp>
   </dsp:spTree>
@@ -34411,7 +33961,7 @@
             <p:ph idx="1"/>
             <p:extLst>
               <p:ext uri="{D42A27DB-BD31-4B8C-83A1-F6EECF244321}">
-                <p14:modId xmlns:p14="http://schemas.microsoft.com/office/powerpoint/2010/main" val="2182357614"/>
+                <p14:modId xmlns:p14="http://schemas.microsoft.com/office/powerpoint/2010/main" val="1162866889"/>
               </p:ext>
             </p:extLst>
           </p:nvPr>

--- a/Mobile_Price_Prediction.pptx
+++ b/Mobile_Price_Prediction.pptx
@@ -2420,24 +2420,13 @@
         <a:p>
           <a:r>
             <a:rPr lang="en-US" dirty="0"/>
-            <a:t>Develop and implement machine learning models for mobile price prediction using Python and relevant libraries like Scikit-learn, </a:t>
+            <a:t>Develop and implement machine learning models for mobile price prediction using Python and relevant libraries </a:t>
           </a:r>
           <a:r>
-            <a:rPr lang="en-US" dirty="0" err="1"/>
-            <a:t>Tensorflow</a:t>
+            <a:rPr lang="en-US"/>
+            <a:t>like Scikit-learn</a:t>
           </a:r>
-          <a:r>
-            <a:rPr lang="en-US" dirty="0"/>
-            <a:t>, and </a:t>
-          </a:r>
-          <a:r>
-            <a:rPr lang="en-US" dirty="0" err="1"/>
-            <a:t>Keras</a:t>
-          </a:r>
-          <a:r>
-            <a:rPr lang="en-US" dirty="0"/>
-            <a:t>.</a:t>
-          </a:r>
+          <a:endParaRPr lang="en-US" dirty="0"/>
         </a:p>
       </dgm:t>
     </dgm:pt>
@@ -3491,7 +3480,7 @@
         </a:bodyPr>
         <a:lstStyle/>
         <a:p>
-          <a:pPr marL="0" lvl="0" indent="0" algn="l" defTabSz="666750">
+          <a:pPr marL="0" lvl="0" indent="0" algn="l" defTabSz="800100">
             <a:lnSpc>
               <a:spcPct val="90000"/>
             </a:lnSpc>
@@ -3504,25 +3493,14 @@
             <a:buNone/>
           </a:pPr>
           <a:r>
-            <a:rPr lang="en-US" sz="1500" kern="1200" dirty="0"/>
-            <a:t>Develop and implement machine learning models for mobile price prediction using Python and relevant libraries like Scikit-learn, </a:t>
+            <a:rPr lang="en-US" sz="1800" kern="1200" dirty="0"/>
+            <a:t>Develop and implement machine learning models for mobile price prediction using Python and relevant libraries </a:t>
           </a:r>
           <a:r>
-            <a:rPr lang="en-US" sz="1500" kern="1200" dirty="0" err="1"/>
-            <a:t>Tensorflow</a:t>
+            <a:rPr lang="en-US" sz="1800" kern="1200"/>
+            <a:t>like Scikit-learn</a:t>
           </a:r>
-          <a:r>
-            <a:rPr lang="en-US" sz="1500" kern="1200" dirty="0"/>
-            <a:t>, and </a:t>
-          </a:r>
-          <a:r>
-            <a:rPr lang="en-US" sz="1500" kern="1200" dirty="0" err="1"/>
-            <a:t>Keras</a:t>
-          </a:r>
-          <a:r>
-            <a:rPr lang="en-US" sz="1500" kern="1200" dirty="0"/>
-            <a:t>.</a:t>
-          </a:r>
+          <a:endParaRPr lang="en-US" sz="1800" kern="1200" dirty="0"/>
         </a:p>
       </dsp:txBody>
       <dsp:txXfrm>
@@ -3651,7 +3629,7 @@
         </a:bodyPr>
         <a:lstStyle/>
         <a:p>
-          <a:pPr marL="0" lvl="0" indent="0" algn="l" defTabSz="666750">
+          <a:pPr marL="0" lvl="0" indent="0" algn="l" defTabSz="755650">
             <a:lnSpc>
               <a:spcPct val="90000"/>
             </a:lnSpc>
@@ -3664,7 +3642,7 @@
             <a:buNone/>
           </a:pPr>
           <a:r>
-            <a:rPr lang="en-US" sz="1500" kern="1200" dirty="0"/>
+            <a:rPr lang="en-US" sz="1700" kern="1200" dirty="0"/>
             <a:t>Conduct data preprocessing and feature engineering to prepare the data for model training and evaluation.</a:t>
           </a:r>
         </a:p>
@@ -3794,7 +3772,7 @@
         </a:bodyPr>
         <a:lstStyle/>
         <a:p>
-          <a:pPr marL="0" lvl="0" indent="0" algn="l" defTabSz="666750">
+          <a:pPr marL="0" lvl="0" indent="0" algn="l" defTabSz="711200">
             <a:lnSpc>
               <a:spcPct val="90000"/>
             </a:lnSpc>
@@ -3807,7 +3785,7 @@
             <a:buNone/>
           </a:pPr>
           <a:r>
-            <a:rPr lang="en-US" sz="1500" kern="1200" dirty="0"/>
+            <a:rPr lang="en-US" sz="1600" kern="1200" dirty="0"/>
             <a:t>Evaluate model performance, and fine-tune model parameters to optimize the prediction accuracy.</a:t>
           </a:r>
         </a:p>
@@ -3937,7 +3915,7 @@
         </a:bodyPr>
         <a:lstStyle/>
         <a:p>
-          <a:pPr marL="0" lvl="0" indent="0" algn="l" defTabSz="666750">
+          <a:pPr marL="0" lvl="0" indent="0" algn="l" defTabSz="711200">
             <a:lnSpc>
               <a:spcPct val="90000"/>
             </a:lnSpc>
@@ -3950,7 +3928,7 @@
             <a:buNone/>
           </a:pPr>
           <a:r>
-            <a:rPr lang="en-US" sz="1500" kern="1200" dirty="0"/>
+            <a:rPr lang="en-US" sz="1600" kern="1200" dirty="0"/>
             <a:t>Design and implement data pipelines to ingest, process, and store the mobile price data</a:t>
           </a:r>
         </a:p>
@@ -33961,7 +33939,7 @@
             <p:ph idx="1"/>
             <p:extLst>
               <p:ext uri="{D42A27DB-BD31-4B8C-83A1-F6EECF244321}">
-                <p14:modId xmlns:p14="http://schemas.microsoft.com/office/powerpoint/2010/main" val="1162866889"/>
+                <p14:modId xmlns:p14="http://schemas.microsoft.com/office/powerpoint/2010/main" val="1230145230"/>
               </p:ext>
             </p:extLst>
           </p:nvPr>
